--- a/SistemasEmbarcadosDia03.pptx
+++ b/SistemasEmbarcadosDia03.pptx
@@ -222,7 +222,7 @@
           <a:p>
             <a:fld id="{EB1822DD-A617-8D45-B192-4D1187F731DF}" type="datetimeFigureOut">
               <a:rPr lang="pt-BR" smtClean="0"/>
-              <a:t>21/07/2021</a:t>
+              <a:t>28/07/2021</a:t>
             </a:fld>
             <a:endParaRPr lang="pt-BR"/>
           </a:p>
@@ -387,7 +387,7 @@
           <a:p>
             <a:fld id="{9B859A10-7A66-AF45-B4DD-A8B078F206A6}" type="datetimeFigureOut">
               <a:rPr lang="pt-BR" smtClean="0"/>
-              <a:t>21/07/2021</a:t>
+              <a:t>28/07/2021</a:t>
             </a:fld>
             <a:endParaRPr lang="pt-BR"/>
           </a:p>
